--- a/docs/HandsOn-Text_Classification.pptx
+++ b/docs/HandsOn-Text_Classification.pptx
@@ -7,11 +7,13 @@
   <p:sldIdLst>
     <p:sldId id="256" r:id="rId2"/>
     <p:sldId id="257" r:id="rId3"/>
-    <p:sldId id="258" r:id="rId4"/>
-    <p:sldId id="259" r:id="rId5"/>
-    <p:sldId id="260" r:id="rId6"/>
-    <p:sldId id="261" r:id="rId7"/>
-    <p:sldId id="262" r:id="rId8"/>
+    <p:sldId id="263" r:id="rId4"/>
+    <p:sldId id="258" r:id="rId5"/>
+    <p:sldId id="264" r:id="rId6"/>
+    <p:sldId id="259" r:id="rId7"/>
+    <p:sldId id="260" r:id="rId8"/>
+    <p:sldId id="261" r:id="rId9"/>
+    <p:sldId id="262" r:id="rId10"/>
   </p:sldIdLst>
   <p:sldSz cx="9144000" cy="6858000" type="screen4x3"/>
   <p:notesSz cx="6858000" cy="9144000"/>
@@ -1536,7 +1538,7 @@
             </a:pPr>
             <a:r>
               <a:rPr lang="en-GB" b="1" noProof="0" dirty="0"/>
-              <a:t>Define Research Goal</a:t>
+              <a:t>1. Define Research Goal</a:t>
             </a:r>
           </a:p>
           <a:p>
@@ -1557,7 +1559,7 @@
             </a:pPr>
             <a:r>
               <a:rPr lang="en-GB" b="1" noProof="0" dirty="0"/>
-              <a:t>Retrieve Data</a:t>
+              <a:t>2. Retrieve Data</a:t>
             </a:r>
             <a:endParaRPr lang="en-GB" noProof="0" dirty="0"/>
           </a:p>
@@ -1634,6 +1636,353 @@
           <p:cNvPr id="2" name="Titel 1">
             <a:extLst>
               <a:ext uri="{FF2B5EF4-FFF2-40B4-BE49-F238E27FC236}">
+                <a16:creationId xmlns:a16="http://schemas.microsoft.com/office/drawing/2014/main" id="{42B25A8C-1E00-458D-8439-AA554DCBBB38}"/>
+              </a:ext>
+            </a:extLst>
+          </p:cNvPr>
+          <p:cNvSpPr>
+            <a:spLocks noGrp="1"/>
+          </p:cNvSpPr>
+          <p:nvPr>
+            <p:ph type="title"/>
+          </p:nvPr>
+        </p:nvSpPr>
+        <p:spPr/>
+        <p:txBody>
+          <a:bodyPr/>
+          <a:lstStyle/>
+          <a:p>
+            <a:r>
+              <a:rPr lang="de-DE" dirty="0"/>
+              <a:t>Text Classification</a:t>
+            </a:r>
+          </a:p>
+        </p:txBody>
+      </p:sp>
+      <p:sp>
+        <p:nvSpPr>
+          <p:cNvPr id="3" name="Inhaltsplatzhalter 2">
+            <a:extLst>
+              <a:ext uri="{FF2B5EF4-FFF2-40B4-BE49-F238E27FC236}">
+                <a16:creationId xmlns:a16="http://schemas.microsoft.com/office/drawing/2014/main" id="{02D551F9-6A35-4368-BC6A-51BBA149A723}"/>
+              </a:ext>
+            </a:extLst>
+          </p:cNvPr>
+          <p:cNvSpPr>
+            <a:spLocks noGrp="1"/>
+          </p:cNvSpPr>
+          <p:nvPr>
+            <p:ph idx="1"/>
+          </p:nvPr>
+        </p:nvSpPr>
+        <p:spPr/>
+        <p:txBody>
+          <a:bodyPr/>
+          <a:lstStyle/>
+          <a:p>
+            <a:pPr marL="0" indent="0">
+              <a:buNone/>
+            </a:pPr>
+            <a:r>
+              <a:rPr lang="de-DE" b="1" dirty="0"/>
+              <a:t>ACL IMDb Dataset</a:t>
+            </a:r>
+          </a:p>
+        </p:txBody>
+      </p:sp>
+      <p:pic>
+        <p:nvPicPr>
+          <p:cNvPr id="4" name="Grafik 3">
+            <a:extLst>
+              <a:ext uri="{FF2B5EF4-FFF2-40B4-BE49-F238E27FC236}">
+                <a16:creationId xmlns:a16="http://schemas.microsoft.com/office/drawing/2014/main" id="{D482467C-0805-4E1F-933D-14705E87BBBE}"/>
+              </a:ext>
+            </a:extLst>
+          </p:cNvPr>
+          <p:cNvPicPr>
+            <a:picLocks noChangeAspect="1"/>
+          </p:cNvPicPr>
+          <p:nvPr/>
+        </p:nvPicPr>
+        <p:blipFill>
+          <a:blip r:embed="rId2"/>
+          <a:stretch>
+            <a:fillRect/>
+          </a:stretch>
+        </p:blipFill>
+        <p:spPr>
+          <a:xfrm>
+            <a:off x="315162" y="2240222"/>
+            <a:ext cx="4195517" cy="2297257"/>
+          </a:xfrm>
+          <a:prstGeom prst="rect">
+            <a:avLst/>
+          </a:prstGeom>
+        </p:spPr>
+      </p:pic>
+      <p:pic>
+        <p:nvPicPr>
+          <p:cNvPr id="5" name="Grafik 4">
+            <a:extLst>
+              <a:ext uri="{FF2B5EF4-FFF2-40B4-BE49-F238E27FC236}">
+                <a16:creationId xmlns:a16="http://schemas.microsoft.com/office/drawing/2014/main" id="{2DF3DB80-9587-4781-86B6-11860E7EE604}"/>
+              </a:ext>
+            </a:extLst>
+          </p:cNvPr>
+          <p:cNvPicPr>
+            <a:picLocks noChangeAspect="1"/>
+          </p:cNvPicPr>
+          <p:nvPr/>
+        </p:nvPicPr>
+        <p:blipFill>
+          <a:blip r:embed="rId3"/>
+          <a:stretch>
+            <a:fillRect/>
+          </a:stretch>
+        </p:blipFill>
+        <p:spPr>
+          <a:xfrm>
+            <a:off x="1340939" y="4063999"/>
+            <a:ext cx="3448050" cy="2247900"/>
+          </a:xfrm>
+          <a:prstGeom prst="rect">
+            <a:avLst/>
+          </a:prstGeom>
+        </p:spPr>
+      </p:pic>
+      <p:pic>
+        <p:nvPicPr>
+          <p:cNvPr id="6" name="Grafik 5">
+            <a:extLst>
+              <a:ext uri="{FF2B5EF4-FFF2-40B4-BE49-F238E27FC236}">
+                <a16:creationId xmlns:a16="http://schemas.microsoft.com/office/drawing/2014/main" id="{84DE7B0E-6B61-4741-9D79-71E801F20535}"/>
+              </a:ext>
+            </a:extLst>
+          </p:cNvPr>
+          <p:cNvPicPr>
+            <a:picLocks noChangeAspect="1"/>
+          </p:cNvPicPr>
+          <p:nvPr/>
+        </p:nvPicPr>
+        <p:blipFill>
+          <a:blip r:embed="rId4"/>
+          <a:stretch>
+            <a:fillRect/>
+          </a:stretch>
+        </p:blipFill>
+        <p:spPr>
+          <a:xfrm>
+            <a:off x="5880644" y="4044949"/>
+            <a:ext cx="771525" cy="2266950"/>
+          </a:xfrm>
+          <a:prstGeom prst="rect">
+            <a:avLst/>
+          </a:prstGeom>
+        </p:spPr>
+      </p:pic>
+      <p:pic>
+        <p:nvPicPr>
+          <p:cNvPr id="7" name="Grafik 6">
+            <a:extLst>
+              <a:ext uri="{FF2B5EF4-FFF2-40B4-BE49-F238E27FC236}">
+                <a16:creationId xmlns:a16="http://schemas.microsoft.com/office/drawing/2014/main" id="{9A3FE7F5-DBED-4711-ADAA-925F2FFFCF19}"/>
+              </a:ext>
+            </a:extLst>
+          </p:cNvPr>
+          <p:cNvPicPr>
+            <a:picLocks noChangeAspect="1"/>
+          </p:cNvPicPr>
+          <p:nvPr/>
+        </p:nvPicPr>
+        <p:blipFill>
+          <a:blip r:embed="rId5"/>
+          <a:stretch>
+            <a:fillRect/>
+          </a:stretch>
+        </p:blipFill>
+        <p:spPr>
+          <a:xfrm>
+            <a:off x="4053883" y="1371342"/>
+            <a:ext cx="4933950" cy="1952625"/>
+          </a:xfrm>
+          <a:prstGeom prst="rect">
+            <a:avLst/>
+          </a:prstGeom>
+        </p:spPr>
+      </p:pic>
+      <p:sp>
+        <p:nvSpPr>
+          <p:cNvPr id="8" name="Pfeil: nach rechts 7">
+            <a:extLst>
+              <a:ext uri="{FF2B5EF4-FFF2-40B4-BE49-F238E27FC236}">
+                <a16:creationId xmlns:a16="http://schemas.microsoft.com/office/drawing/2014/main" id="{B81B42D0-76DA-487F-A3AD-7B9C9040EBC9}"/>
+              </a:ext>
+            </a:extLst>
+          </p:cNvPr>
+          <p:cNvSpPr/>
+          <p:nvPr/>
+        </p:nvSpPr>
+        <p:spPr>
+          <a:xfrm rot="3727102">
+            <a:off x="1056297" y="3585001"/>
+            <a:ext cx="875116" cy="472352"/>
+          </a:xfrm>
+          <a:prstGeom prst="rightArrow">
+            <a:avLst/>
+          </a:prstGeom>
+        </p:spPr>
+        <p:style>
+          <a:lnRef idx="2">
+            <a:schemeClr val="accent1">
+              <a:shade val="50000"/>
+            </a:schemeClr>
+          </a:lnRef>
+          <a:fillRef idx="1">
+            <a:schemeClr val="accent1"/>
+          </a:fillRef>
+          <a:effectRef idx="0">
+            <a:schemeClr val="accent1"/>
+          </a:effectRef>
+          <a:fontRef idx="minor">
+            <a:schemeClr val="lt1"/>
+          </a:fontRef>
+        </p:style>
+        <p:txBody>
+          <a:bodyPr rtlCol="0" anchor="ctr"/>
+          <a:lstStyle/>
+          <a:p>
+            <a:pPr algn="ctr"/>
+            <a:endParaRPr lang="de-DE"/>
+          </a:p>
+        </p:txBody>
+      </p:sp>
+      <p:sp>
+        <p:nvSpPr>
+          <p:cNvPr id="9" name="Pfeil: nach rechts 8">
+            <a:extLst>
+              <a:ext uri="{FF2B5EF4-FFF2-40B4-BE49-F238E27FC236}">
+                <a16:creationId xmlns:a16="http://schemas.microsoft.com/office/drawing/2014/main" id="{73D284E0-78FB-4378-BB84-67B82E155301}"/>
+              </a:ext>
+            </a:extLst>
+          </p:cNvPr>
+          <p:cNvSpPr/>
+          <p:nvPr/>
+        </p:nvSpPr>
+        <p:spPr>
+          <a:xfrm>
+            <a:off x="2189848" y="4479724"/>
+            <a:ext cx="3614052" cy="472352"/>
+          </a:xfrm>
+          <a:prstGeom prst="rightArrow">
+            <a:avLst/>
+          </a:prstGeom>
+        </p:spPr>
+        <p:style>
+          <a:lnRef idx="2">
+            <a:schemeClr val="accent1">
+              <a:shade val="50000"/>
+            </a:schemeClr>
+          </a:lnRef>
+          <a:fillRef idx="1">
+            <a:schemeClr val="accent1"/>
+          </a:fillRef>
+          <a:effectRef idx="0">
+            <a:schemeClr val="accent1"/>
+          </a:effectRef>
+          <a:fontRef idx="minor">
+            <a:schemeClr val="lt1"/>
+          </a:fontRef>
+        </p:style>
+        <p:txBody>
+          <a:bodyPr rtlCol="0" anchor="ctr"/>
+          <a:lstStyle/>
+          <a:p>
+            <a:pPr algn="ctr"/>
+            <a:endParaRPr lang="de-DE"/>
+          </a:p>
+        </p:txBody>
+      </p:sp>
+      <p:sp>
+        <p:nvSpPr>
+          <p:cNvPr id="10" name="Pfeil: nach rechts 9">
+            <a:extLst>
+              <a:ext uri="{FF2B5EF4-FFF2-40B4-BE49-F238E27FC236}">
+                <a16:creationId xmlns:a16="http://schemas.microsoft.com/office/drawing/2014/main" id="{883644A5-866D-4947-A219-BA4626EF6156}"/>
+              </a:ext>
+            </a:extLst>
+          </p:cNvPr>
+          <p:cNvSpPr/>
+          <p:nvPr/>
+        </p:nvSpPr>
+        <p:spPr>
+          <a:xfrm rot="14500455">
+            <a:off x="5241753" y="3576595"/>
+            <a:ext cx="1013041" cy="472352"/>
+          </a:xfrm>
+          <a:prstGeom prst="rightArrow">
+            <a:avLst/>
+          </a:prstGeom>
+        </p:spPr>
+        <p:style>
+          <a:lnRef idx="2">
+            <a:schemeClr val="accent1">
+              <a:shade val="50000"/>
+            </a:schemeClr>
+          </a:lnRef>
+          <a:fillRef idx="1">
+            <a:schemeClr val="accent1"/>
+          </a:fillRef>
+          <a:effectRef idx="0">
+            <a:schemeClr val="accent1"/>
+          </a:effectRef>
+          <a:fontRef idx="minor">
+            <a:schemeClr val="lt1"/>
+          </a:fontRef>
+        </p:style>
+        <p:txBody>
+          <a:bodyPr rtlCol="0" anchor="ctr"/>
+          <a:lstStyle/>
+          <a:p>
+            <a:pPr algn="ctr"/>
+            <a:endParaRPr lang="de-DE"/>
+          </a:p>
+        </p:txBody>
+      </p:sp>
+    </p:spTree>
+    <p:extLst>
+      <p:ext uri="{BB962C8B-B14F-4D97-AF65-F5344CB8AC3E}">
+        <p14:creationId xmlns:p14="http://schemas.microsoft.com/office/powerpoint/2010/main" val="2663220319"/>
+      </p:ext>
+    </p:extLst>
+  </p:cSld>
+  <p:clrMapOvr>
+    <a:masterClrMapping/>
+  </p:clrMapOvr>
+</p:sld>
+</file>
+
+<file path=ppt/slides/slide4.xml><?xml version="1.0" encoding="utf-8"?>
+<p:sld xmlns:a="http://schemas.openxmlformats.org/drawingml/2006/main" xmlns:r="http://schemas.openxmlformats.org/officeDocument/2006/relationships" xmlns:p="http://schemas.openxmlformats.org/presentationml/2006/main">
+  <p:cSld>
+    <p:spTree>
+      <p:nvGrpSpPr>
+        <p:cNvPr id="1" name=""/>
+        <p:cNvGrpSpPr/>
+        <p:nvPr/>
+      </p:nvGrpSpPr>
+      <p:grpSpPr>
+        <a:xfrm>
+          <a:off x="0" y="0"/>
+          <a:ext cx="0" cy="0"/>
+          <a:chOff x="0" y="0"/>
+          <a:chExt cx="0" cy="0"/>
+        </a:xfrm>
+      </p:grpSpPr>
+      <p:sp>
+        <p:nvSpPr>
+          <p:cNvPr id="2" name="Titel 1">
+            <a:extLst>
+              <a:ext uri="{FF2B5EF4-FFF2-40B4-BE49-F238E27FC236}">
                 <a16:creationId xmlns:a16="http://schemas.microsoft.com/office/drawing/2014/main" id="{9D2C6D2F-6A97-4B78-AEB5-48CA89BFBEB9}"/>
               </a:ext>
             </a:extLst>
@@ -1652,7 +2001,7 @@
           <a:p>
             <a:r>
               <a:rPr lang="en-GB" noProof="0" dirty="0"/>
-              <a:t>Prepare Data</a:t>
+              <a:t>3. Prepare Data</a:t>
             </a:r>
           </a:p>
         </p:txBody>
@@ -1678,82 +2027,47 @@
           <a:bodyPr/>
           <a:lstStyle/>
           <a:p>
-            <a:r>
-              <a:rPr lang="en-GB" noProof="0" dirty="0"/>
-              <a:t>Read .txt-Files into a Pandas </a:t>
-            </a:r>
-            <a:r>
-              <a:rPr lang="en-GB" noProof="0" dirty="0" err="1"/>
-              <a:t>DataFrame</a:t>
-            </a:r>
-            <a:endParaRPr lang="en-GB" noProof="0" dirty="0"/>
-          </a:p>
-          <a:p>
-            <a:r>
-              <a:rPr lang="en-GB" noProof="0" dirty="0"/>
-              <a:t>Separating Data into a Train-Val-Test Set</a:t>
-            </a:r>
-          </a:p>
-          <a:p>
-            <a:pPr lvl="1"/>
-            <a:r>
-              <a:rPr lang="en-GB" dirty="0" err="1"/>
-              <a:t>aclImdb</a:t>
-            </a:r>
-            <a:r>
-              <a:rPr lang="en-GB" dirty="0"/>
-              <a:t> folder already contains training and test folder</a:t>
-            </a:r>
-          </a:p>
-          <a:p>
-            <a:pPr lvl="1"/>
-            <a:r>
-              <a:rPr lang="en-GB" noProof="0" dirty="0"/>
-              <a:t>Training data → </a:t>
-            </a:r>
-            <a:r>
-              <a:rPr lang="en-GB" dirty="0"/>
-              <a:t>t</a:t>
-            </a:r>
-            <a:r>
-              <a:rPr lang="en-GB" noProof="0" dirty="0"/>
-              <a:t>rain &amp; </a:t>
-            </a:r>
-            <a:r>
-              <a:rPr lang="en-GB" noProof="0" dirty="0" err="1"/>
-              <a:t>val</a:t>
-            </a:r>
-            <a:r>
-              <a:rPr lang="en-GB" noProof="0" dirty="0"/>
-              <a:t> data</a:t>
-            </a:r>
-          </a:p>
-          <a:p>
             <a:pPr marL="0" indent="0">
               <a:buNone/>
             </a:pPr>
-            <a:endParaRPr lang="en-GB" dirty="0"/>
-          </a:p>
-          <a:p>
-            <a:pPr marL="0" indent="0">
-              <a:buNone/>
-            </a:pPr>
-            <a:r>
-              <a:rPr lang="en-GB" b="1" dirty="0"/>
-              <a:t>Prepare Reviews</a:t>
+            <a:r>
+              <a:rPr lang="en-GB" b="1" noProof="0" dirty="0"/>
+              <a:t>Train/Val/Test Data</a:t>
             </a:r>
           </a:p>
           <a:p>
             <a:r>
               <a:rPr lang="en-GB" noProof="0" dirty="0"/>
-              <a:t>TF-IDF Vectorization</a:t>
+              <a:t>Train Data: to build the model</a:t>
             </a:r>
           </a:p>
           <a:p>
             <a:r>
               <a:rPr lang="en-GB" dirty="0"/>
-              <a:t>Binary Vectorization</a:t>
-            </a:r>
+              <a:t>Validation Data: to validate/improve the model</a:t>
+            </a:r>
+          </a:p>
+          <a:p>
+            <a:r>
+              <a:rPr lang="en-GB" noProof="0" dirty="0"/>
+              <a:t>Test Data: to evaluate the final model</a:t>
+            </a:r>
+          </a:p>
+          <a:p>
+            <a:endParaRPr lang="en-GB" noProof="0" dirty="0"/>
+          </a:p>
+          <a:p>
+            <a:r>
+              <a:rPr lang="en-GB" noProof="0" dirty="0"/>
+              <a:t>Read .txt-Files from train folder into a Pandas Data Frame</a:t>
+            </a:r>
+          </a:p>
+          <a:p>
+            <a:r>
+              <a:rPr lang="en-GB" dirty="0"/>
+              <a:t>split Data Frame into train (80%) and validation (20%) set</a:t>
+            </a:r>
+            <a:endParaRPr lang="en-GB" noProof="0" dirty="0"/>
           </a:p>
         </p:txBody>
       </p:sp>
@@ -1770,7 +2084,142 @@
 </p:sld>
 </file>
 
-<file path=ppt/slides/slide4.xml><?xml version="1.0" encoding="utf-8"?>
+<file path=ppt/slides/slide5.xml><?xml version="1.0" encoding="utf-8"?>
+<p:sld xmlns:a="http://schemas.openxmlformats.org/drawingml/2006/main" xmlns:r="http://schemas.openxmlformats.org/officeDocument/2006/relationships" xmlns:p="http://schemas.openxmlformats.org/presentationml/2006/main">
+  <p:cSld>
+    <p:spTree>
+      <p:nvGrpSpPr>
+        <p:cNvPr id="1" name=""/>
+        <p:cNvGrpSpPr/>
+        <p:nvPr/>
+      </p:nvGrpSpPr>
+      <p:grpSpPr>
+        <a:xfrm>
+          <a:off x="0" y="0"/>
+          <a:ext cx="0" cy="0"/>
+          <a:chOff x="0" y="0"/>
+          <a:chExt cx="0" cy="0"/>
+        </a:xfrm>
+      </p:grpSpPr>
+      <p:sp>
+        <p:nvSpPr>
+          <p:cNvPr id="2" name="Titel 1">
+            <a:extLst>
+              <a:ext uri="{FF2B5EF4-FFF2-40B4-BE49-F238E27FC236}">
+                <a16:creationId xmlns:a16="http://schemas.microsoft.com/office/drawing/2014/main" id="{89FFF780-B89D-4C42-9819-04BE3B8839FC}"/>
+              </a:ext>
+            </a:extLst>
+          </p:cNvPr>
+          <p:cNvSpPr>
+            <a:spLocks noGrp="1"/>
+          </p:cNvSpPr>
+          <p:nvPr>
+            <p:ph type="title"/>
+          </p:nvPr>
+        </p:nvSpPr>
+        <p:spPr/>
+        <p:txBody>
+          <a:bodyPr/>
+          <a:lstStyle/>
+          <a:p>
+            <a:r>
+              <a:rPr lang="de-DE" dirty="0"/>
+              <a:t>3. </a:t>
+            </a:r>
+            <a:r>
+              <a:rPr lang="de-DE" dirty="0" err="1"/>
+              <a:t>Prepare</a:t>
+            </a:r>
+            <a:r>
+              <a:rPr lang="de-DE" dirty="0"/>
+              <a:t> Data</a:t>
+            </a:r>
+          </a:p>
+        </p:txBody>
+      </p:sp>
+      <p:sp>
+        <p:nvSpPr>
+          <p:cNvPr id="3" name="Inhaltsplatzhalter 2">
+            <a:extLst>
+              <a:ext uri="{FF2B5EF4-FFF2-40B4-BE49-F238E27FC236}">
+                <a16:creationId xmlns:a16="http://schemas.microsoft.com/office/drawing/2014/main" id="{046FC495-4C94-4D67-8ADF-A4903B9C395A}"/>
+              </a:ext>
+            </a:extLst>
+          </p:cNvPr>
+          <p:cNvSpPr>
+            <a:spLocks noGrp="1"/>
+          </p:cNvSpPr>
+          <p:nvPr>
+            <p:ph idx="1"/>
+          </p:nvPr>
+        </p:nvSpPr>
+        <p:spPr/>
+        <p:txBody>
+          <a:bodyPr/>
+          <a:lstStyle/>
+          <a:p>
+            <a:pPr marL="0" indent="0">
+              <a:buNone/>
+            </a:pPr>
+            <a:r>
+              <a:rPr lang="de-DE" b="1" dirty="0" err="1"/>
+              <a:t>Prepare</a:t>
+            </a:r>
+            <a:r>
+              <a:rPr lang="de-DE" b="1" dirty="0"/>
+              <a:t> Reviews</a:t>
+            </a:r>
+            <a:endParaRPr lang="de-DE" dirty="0"/>
+          </a:p>
+          <a:p>
+            <a:r>
+              <a:rPr lang="en-GB" dirty="0"/>
+              <a:t>Goal: transform reviews (strings) into a suitable model</a:t>
+            </a:r>
+          </a:p>
+          <a:p>
+            <a:r>
+              <a:rPr lang="en-GB" dirty="0"/>
+              <a:t>Method: Bag of Words</a:t>
+            </a:r>
+          </a:p>
+          <a:p>
+            <a:pPr marL="0" indent="0">
+              <a:buNone/>
+            </a:pPr>
+            <a:endParaRPr lang="en-GB" dirty="0"/>
+          </a:p>
+          <a:p>
+            <a:r>
+              <a:rPr lang="en-GB" dirty="0"/>
+              <a:t>TF-IDF Vectorization</a:t>
+            </a:r>
+          </a:p>
+          <a:p>
+            <a:r>
+              <a:rPr lang="en-GB" dirty="0"/>
+              <a:t>Binary Vectorization</a:t>
+            </a:r>
+          </a:p>
+          <a:p>
+            <a:endParaRPr lang="de-DE" dirty="0"/>
+          </a:p>
+        </p:txBody>
+      </p:sp>
+    </p:spTree>
+    <p:extLst>
+      <p:ext uri="{BB962C8B-B14F-4D97-AF65-F5344CB8AC3E}">
+        <p14:creationId xmlns:p14="http://schemas.microsoft.com/office/powerpoint/2010/main" val="637928862"/>
+      </p:ext>
+    </p:extLst>
+  </p:cSld>
+  <p:clrMapOvr>
+    <a:masterClrMapping/>
+  </p:clrMapOvr>
+</p:sld>
+</file>
+
+<file path=ppt/slides/slide6.xml><?xml version="1.0" encoding="utf-8"?>
 <p:sld xmlns:a="http://schemas.openxmlformats.org/drawingml/2006/main" xmlns:r="http://schemas.openxmlformats.org/officeDocument/2006/relationships" xmlns:p="http://schemas.openxmlformats.org/presentationml/2006/main">
   <p:cSld>
     <p:spTree>
@@ -1810,7 +2259,7 @@
           <a:p>
             <a:r>
               <a:rPr lang="en-GB" dirty="0"/>
-              <a:t>Prepare Data</a:t>
+              <a:t>3. Prepare Data</a:t>
             </a:r>
           </a:p>
         </p:txBody>
@@ -1872,7 +2321,7 @@
 </p:sld>
 </file>
 
-<file path=ppt/slides/slide5.xml><?xml version="1.0" encoding="utf-8"?>
+<file path=ppt/slides/slide7.xml><?xml version="1.0" encoding="utf-8"?>
 <p:sld xmlns:a="http://schemas.openxmlformats.org/drawingml/2006/main" xmlns:r="http://schemas.openxmlformats.org/officeDocument/2006/relationships" xmlns:p="http://schemas.openxmlformats.org/presentationml/2006/main">
   <p:cSld>
     <p:spTree>
@@ -1912,7 +2361,7 @@
           <a:p>
             <a:r>
               <a:rPr lang="en-GB" dirty="0"/>
-              <a:t>Explore Data</a:t>
+              <a:t>4. Explore Data</a:t>
             </a:r>
           </a:p>
         </p:txBody>
@@ -2022,7 +2471,7 @@
 </p:sld>
 </file>
 
-<file path=ppt/slides/slide6.xml><?xml version="1.0" encoding="utf-8"?>
+<file path=ppt/slides/slide8.xml><?xml version="1.0" encoding="utf-8"?>
 <p:sld xmlns:a="http://schemas.openxmlformats.org/drawingml/2006/main" xmlns:r="http://schemas.openxmlformats.org/officeDocument/2006/relationships" xmlns:p="http://schemas.openxmlformats.org/presentationml/2006/main">
   <p:cSld>
     <p:spTree>
@@ -2062,7 +2511,7 @@
           <a:p>
             <a:r>
               <a:rPr lang="en-GB" dirty="0"/>
-              <a:t>Model Data</a:t>
+              <a:t>5. Model Data</a:t>
             </a:r>
           </a:p>
         </p:txBody>
@@ -2090,8 +2539,11 @@
           <a:p>
             <a:r>
               <a:rPr lang="en-GB" dirty="0"/>
-              <a:t>Building the Neural Net</a:t>
-            </a:r>
+              <a:t>Goal: Binary Classification</a:t>
+            </a:r>
+          </a:p>
+          <a:p>
+            <a:endParaRPr lang="en-GB" dirty="0"/>
           </a:p>
         </p:txBody>
       </p:sp>
@@ -2108,7 +2560,7 @@
 </p:sld>
 </file>
 
-<file path=ppt/slides/slide7.xml><?xml version="1.0" encoding="utf-8"?>
+<file path=ppt/slides/slide9.xml><?xml version="1.0" encoding="utf-8"?>
 <p:sld xmlns:a="http://schemas.openxmlformats.org/drawingml/2006/main" xmlns:r="http://schemas.openxmlformats.org/officeDocument/2006/relationships" xmlns:p="http://schemas.openxmlformats.org/presentationml/2006/main">
   <p:cSld>
     <p:spTree>
@@ -2148,7 +2600,7 @@
           <a:p>
             <a:r>
               <a:rPr lang="en-GB" dirty="0"/>
-              <a:t>Improve Model</a:t>
+              <a:t>6. Improve Model</a:t>
             </a:r>
           </a:p>
         </p:txBody>
